--- a/presentacion de pragamas base.pptx
+++ b/presentacion de pragamas base.pptx
@@ -110,6 +110,11 @@
       </a:defRPr>
     </a:lvl9pPr>
   </p:defaultTextStyle>
+  <p:extLst>
+    <p:ext uri="{EFAFB233-063F-42B5-8137-9DF3F51BA10A}">
+      <p15:sldGuideLst xmlns:p15="http://schemas.microsoft.com/office/powerpoint/2012/main"/>
+    </p:ext>
+  </p:extLst>
 </p:presentation>
 </file>
 
@@ -300,7 +305,7 @@
             <a:fld id="{B61BEF0D-F0BB-DE4B-95CE-6DB70DBA9567}" type="datetimeFigureOut">
               <a:rPr lang="en-US" smtClean="0"/>
               <a:pPr/>
-              <a:t>5/22/2017</a:t>
+              <a:t>5/23/2017</a:t>
             </a:fld>
             <a:endParaRPr lang="en-US" dirty="0"/>
           </a:p>
@@ -577,7 +582,7 @@
             <a:fld id="{B61BEF0D-F0BB-DE4B-95CE-6DB70DBA9567}" type="datetimeFigureOut">
               <a:rPr lang="en-US" smtClean="0"/>
               <a:pPr/>
-              <a:t>5/22/2017</a:t>
+              <a:t>5/23/2017</a:t>
             </a:fld>
             <a:endParaRPr lang="en-US" dirty="0"/>
           </a:p>
@@ -773,7 +778,7 @@
             <a:fld id="{B61BEF0D-F0BB-DE4B-95CE-6DB70DBA9567}" type="datetimeFigureOut">
               <a:rPr lang="en-US" smtClean="0"/>
               <a:pPr/>
-              <a:t>5/22/2017</a:t>
+              <a:t>5/23/2017</a:t>
             </a:fld>
             <a:endParaRPr lang="en-US" dirty="0"/>
           </a:p>
@@ -1048,7 +1053,7 @@
             <a:fld id="{B61BEF0D-F0BB-DE4B-95CE-6DB70DBA9567}" type="datetimeFigureOut">
               <a:rPr lang="en-US" smtClean="0"/>
               <a:pPr/>
-              <a:t>5/22/2017</a:t>
+              <a:t>5/23/2017</a:t>
             </a:fld>
             <a:endParaRPr lang="en-US" dirty="0"/>
           </a:p>
@@ -1391,7 +1396,7 @@
             <a:fld id="{B61BEF0D-F0BB-DE4B-95CE-6DB70DBA9567}" type="datetimeFigureOut">
               <a:rPr lang="en-US" smtClean="0"/>
               <a:pPr/>
-              <a:t>5/22/2017</a:t>
+              <a:t>5/23/2017</a:t>
             </a:fld>
             <a:endParaRPr lang="en-US" dirty="0"/>
           </a:p>
@@ -2016,7 +2021,7 @@
             <a:fld id="{B61BEF0D-F0BB-DE4B-95CE-6DB70DBA9567}" type="datetimeFigureOut">
               <a:rPr lang="en-US" smtClean="0"/>
               <a:pPr/>
-              <a:t>5/22/2017</a:t>
+              <a:t>5/23/2017</a:t>
             </a:fld>
             <a:endParaRPr lang="en-US" dirty="0"/>
           </a:p>
@@ -2878,7 +2883,7 @@
             <a:fld id="{B61BEF0D-F0BB-DE4B-95CE-6DB70DBA9567}" type="datetimeFigureOut">
               <a:rPr lang="en-US" smtClean="0"/>
               <a:pPr/>
-              <a:t>5/22/2017</a:t>
+              <a:t>5/23/2017</a:t>
             </a:fld>
             <a:endParaRPr lang="en-US" dirty="0"/>
           </a:p>
@@ -3050,7 +3055,7 @@
             <a:fld id="{B61BEF0D-F0BB-DE4B-95CE-6DB70DBA9567}" type="datetimeFigureOut">
               <a:rPr lang="en-US" smtClean="0"/>
               <a:pPr/>
-              <a:t>5/22/2017</a:t>
+              <a:t>5/23/2017</a:t>
             </a:fld>
             <a:endParaRPr lang="en-US" dirty="0"/>
           </a:p>
@@ -3232,7 +3237,7 @@
             <a:fld id="{B61BEF0D-F0BB-DE4B-95CE-6DB70DBA9567}" type="datetimeFigureOut">
               <a:rPr lang="en-US" smtClean="0"/>
               <a:pPr/>
-              <a:t>5/22/2017</a:t>
+              <a:t>5/23/2017</a:t>
             </a:fld>
             <a:endParaRPr lang="en-US" dirty="0"/>
           </a:p>
@@ -3403,7 +3408,7 @@
           <a:p>
             <a:fld id="{52647F38-B617-4D2F-AE0A-013F0C4D2C57}" type="datetimeFigureOut">
               <a:rPr lang="en-US" smtClean="0"/>
-              <a:t>5/22/2017</a:t>
+              <a:t>5/23/2017</a:t>
             </a:fld>
             <a:endParaRPr lang="en-US" dirty="0"/>
           </a:p>
@@ -3651,7 +3656,7 @@
             <a:fld id="{B61BEF0D-F0BB-DE4B-95CE-6DB70DBA9567}" type="datetimeFigureOut">
               <a:rPr lang="en-US" smtClean="0"/>
               <a:pPr/>
-              <a:t>5/22/2017</a:t>
+              <a:t>5/23/2017</a:t>
             </a:fld>
             <a:endParaRPr lang="en-US" dirty="0"/>
           </a:p>
@@ -3944,7 +3949,7 @@
           <a:p>
             <a:fld id="{05BFA754-D5C3-4E66-96A6-867B257F58DC}" type="datetimeFigureOut">
               <a:rPr lang="en-US" smtClean="0"/>
-              <a:t>5/22/2017</a:t>
+              <a:t>5/23/2017</a:t>
             </a:fld>
             <a:endParaRPr lang="en-US" dirty="0"/>
           </a:p>
@@ -4389,7 +4394,7 @@
             <a:fld id="{B61BEF0D-F0BB-DE4B-95CE-6DB70DBA9567}" type="datetimeFigureOut">
               <a:rPr lang="en-US" smtClean="0"/>
               <a:pPr/>
-              <a:t>5/22/2017</a:t>
+              <a:t>5/23/2017</a:t>
             </a:fld>
             <a:endParaRPr lang="en-US" dirty="0"/>
           </a:p>
@@ -4509,7 +4514,7 @@
             <a:fld id="{B61BEF0D-F0BB-DE4B-95CE-6DB70DBA9567}" type="datetimeFigureOut">
               <a:rPr lang="en-US" smtClean="0"/>
               <a:pPr/>
-              <a:t>5/22/2017</a:t>
+              <a:t>5/23/2017</a:t>
             </a:fld>
             <a:endParaRPr lang="en-US" dirty="0"/>
           </a:p>
@@ -4606,7 +4611,7 @@
             <a:fld id="{B61BEF0D-F0BB-DE4B-95CE-6DB70DBA9567}" type="datetimeFigureOut">
               <a:rPr lang="en-US" smtClean="0"/>
               <a:pPr/>
-              <a:t>5/22/2017</a:t>
+              <a:t>5/23/2017</a:t>
             </a:fld>
             <a:endParaRPr lang="en-US" dirty="0"/>
           </a:p>
@@ -4887,7 +4892,7 @@
             <a:fld id="{B61BEF0D-F0BB-DE4B-95CE-6DB70DBA9567}" type="datetimeFigureOut">
               <a:rPr lang="en-US" smtClean="0"/>
               <a:pPr/>
-              <a:t>5/22/2017</a:t>
+              <a:t>5/23/2017</a:t>
             </a:fld>
             <a:endParaRPr lang="en-US" dirty="0"/>
           </a:p>
@@ -5164,7 +5169,7 @@
             <a:fld id="{B61BEF0D-F0BB-DE4B-95CE-6DB70DBA9567}" type="datetimeFigureOut">
               <a:rPr lang="en-US" smtClean="0"/>
               <a:pPr/>
-              <a:t>5/22/2017</a:t>
+              <a:t>5/23/2017</a:t>
             </a:fld>
             <a:endParaRPr lang="en-US" dirty="0"/>
           </a:p>
@@ -5595,7 +5600,7 @@
             <a:fld id="{B61BEF0D-F0BB-DE4B-95CE-6DB70DBA9567}" type="datetimeFigureOut">
               <a:rPr lang="en-US" smtClean="0"/>
               <a:pPr/>
-              <a:t>5/22/2017</a:t>
+              <a:t>5/23/2017</a:t>
             </a:fld>
             <a:endParaRPr lang="en-US" dirty="0"/>
           </a:p>
@@ -6244,14 +6249,14 @@
     <a:masterClrMapping/>
   </p:clrMapOvr>
   <mc:AlternateContent xmlns:mc="http://schemas.openxmlformats.org/markup-compatibility/2006">
-    <mc:Choice xmlns:p14="http://schemas.microsoft.com/office/powerpoint/2010/main" Requires="p14">
-      <p:transition spd="slow" p14:dur="1500">
-        <p:split orient="vert"/>
+    <mc:Choice xmlns:p15="http://schemas.microsoft.com/office/powerpoint/2012/main" Requires="p15">
+      <p:transition xmlns:p14="http://schemas.microsoft.com/office/powerpoint/2010/main" spd="slow" p14:dur="6000">
+        <p15:prstTrans prst="curtains"/>
       </p:transition>
     </mc:Choice>
     <mc:Fallback>
       <p:transition spd="slow">
-        <p:split orient="vert"/>
+        <p:fade/>
       </p:transition>
     </mc:Fallback>
   </mc:AlternateContent>
@@ -6668,23 +6673,448 @@
     <a:masterClrMapping/>
   </p:clrMapOvr>
   <mc:AlternateContent xmlns:mc="http://schemas.openxmlformats.org/markup-compatibility/2006">
-    <mc:Choice xmlns:p14="http://schemas.microsoft.com/office/powerpoint/2010/main" Requires="p14">
-      <p:transition spd="slow" p14:dur="1500">
-        <p:split orient="vert"/>
+    <mc:Choice xmlns:p15="http://schemas.microsoft.com/office/powerpoint/2012/main" Requires="p15">
+      <p:transition xmlns:p14="http://schemas.microsoft.com/office/powerpoint/2010/main" spd="slow" p14:dur="2000">
+        <p15:prstTrans prst="crush"/>
       </p:transition>
     </mc:Choice>
     <mc:Fallback>
       <p:transition spd="slow">
-        <p:split orient="vert"/>
+        <p:fade/>
       </p:transition>
     </mc:Fallback>
   </mc:AlternateContent>
   <p:timing>
     <p:tnLst>
       <p:par>
-        <p:cTn id="1" dur="indefinite" restart="never" nodeType="tmRoot"/>
+        <p:cTn id="1" dur="indefinite" restart="never" nodeType="tmRoot">
+          <p:childTnLst>
+            <p:seq concurrent="1" nextAc="seek">
+              <p:cTn id="2" dur="indefinite" nodeType="mainSeq">
+                <p:childTnLst>
+                  <p:par>
+                    <p:cTn id="3" fill="hold">
+                      <p:stCondLst>
+                        <p:cond delay="indefinite"/>
+                      </p:stCondLst>
+                      <p:childTnLst>
+                        <p:par>
+                          <p:cTn id="4" fill="hold">
+                            <p:stCondLst>
+                              <p:cond delay="0"/>
+                            </p:stCondLst>
+                            <p:childTnLst>
+                              <p:par>
+                                <p:cTn id="5" presetID="16" presetClass="entr" presetSubtype="21" fill="hold" grpId="0" nodeType="clickEffect">
+                                  <p:stCondLst>
+                                    <p:cond delay="0"/>
+                                  </p:stCondLst>
+                                  <p:childTnLst>
+                                    <p:set>
+                                      <p:cBhvr>
+                                        <p:cTn id="6" dur="1" fill="hold">
+                                          <p:stCondLst>
+                                            <p:cond delay="0"/>
+                                          </p:stCondLst>
+                                        </p:cTn>
+                                        <p:tgtEl>
+                                          <p:spTgt spid="2"/>
+                                        </p:tgtEl>
+                                        <p:attrNameLst>
+                                          <p:attrName>style.visibility</p:attrName>
+                                        </p:attrNameLst>
+                                      </p:cBhvr>
+                                      <p:to>
+                                        <p:strVal val="visible"/>
+                                      </p:to>
+                                    </p:set>
+                                    <p:animEffect transition="in" filter="barn(inVertical)">
+                                      <p:cBhvr>
+                                        <p:cTn id="7" dur="500"/>
+                                        <p:tgtEl>
+                                          <p:spTgt spid="2"/>
+                                        </p:tgtEl>
+                                      </p:cBhvr>
+                                    </p:animEffect>
+                                  </p:childTnLst>
+                                </p:cTn>
+                              </p:par>
+                            </p:childTnLst>
+                          </p:cTn>
+                        </p:par>
+                      </p:childTnLst>
+                    </p:cTn>
+                  </p:par>
+                  <p:par>
+                    <p:cTn id="8" fill="hold">
+                      <p:stCondLst>
+                        <p:cond delay="indefinite"/>
+                      </p:stCondLst>
+                      <p:childTnLst>
+                        <p:par>
+                          <p:cTn id="9" fill="hold">
+                            <p:stCondLst>
+                              <p:cond delay="0"/>
+                            </p:stCondLst>
+                            <p:childTnLst>
+                              <p:par>
+                                <p:cTn id="10" presetID="42" presetClass="entr" presetSubtype="0" fill="hold" grpId="0" nodeType="clickEffect">
+                                  <p:stCondLst>
+                                    <p:cond delay="0"/>
+                                  </p:stCondLst>
+                                  <p:childTnLst>
+                                    <p:set>
+                                      <p:cBhvr>
+                                        <p:cTn id="11" dur="1" fill="hold">
+                                          <p:stCondLst>
+                                            <p:cond delay="0"/>
+                                          </p:stCondLst>
+                                        </p:cTn>
+                                        <p:tgtEl>
+                                          <p:spTgt spid="3">
+                                            <p:txEl>
+                                              <p:pRg st="0" end="0"/>
+                                            </p:txEl>
+                                          </p:spTgt>
+                                        </p:tgtEl>
+                                        <p:attrNameLst>
+                                          <p:attrName>style.visibility</p:attrName>
+                                        </p:attrNameLst>
+                                      </p:cBhvr>
+                                      <p:to>
+                                        <p:strVal val="visible"/>
+                                      </p:to>
+                                    </p:set>
+                                    <p:animEffect transition="in" filter="fade">
+                                      <p:cBhvr>
+                                        <p:cTn id="12" dur="1000"/>
+                                        <p:tgtEl>
+                                          <p:spTgt spid="3">
+                                            <p:txEl>
+                                              <p:pRg st="0" end="0"/>
+                                            </p:txEl>
+                                          </p:spTgt>
+                                        </p:tgtEl>
+                                      </p:cBhvr>
+                                    </p:animEffect>
+                                    <p:anim calcmode="lin" valueType="num">
+                                      <p:cBhvr>
+                                        <p:cTn id="13" dur="1000" fill="hold"/>
+                                        <p:tgtEl>
+                                          <p:spTgt spid="3">
+                                            <p:txEl>
+                                              <p:pRg st="0" end="0"/>
+                                            </p:txEl>
+                                          </p:spTgt>
+                                        </p:tgtEl>
+                                        <p:attrNameLst>
+                                          <p:attrName>ppt_x</p:attrName>
+                                        </p:attrNameLst>
+                                      </p:cBhvr>
+                                      <p:tavLst>
+                                        <p:tav tm="0">
+                                          <p:val>
+                                            <p:strVal val="#ppt_x"/>
+                                          </p:val>
+                                        </p:tav>
+                                        <p:tav tm="100000">
+                                          <p:val>
+                                            <p:strVal val="#ppt_x"/>
+                                          </p:val>
+                                        </p:tav>
+                                      </p:tavLst>
+                                    </p:anim>
+                                    <p:anim calcmode="lin" valueType="num">
+                                      <p:cBhvr>
+                                        <p:cTn id="14" dur="1000" fill="hold"/>
+                                        <p:tgtEl>
+                                          <p:spTgt spid="3">
+                                            <p:txEl>
+                                              <p:pRg st="0" end="0"/>
+                                            </p:txEl>
+                                          </p:spTgt>
+                                        </p:tgtEl>
+                                        <p:attrNameLst>
+                                          <p:attrName>ppt_y</p:attrName>
+                                        </p:attrNameLst>
+                                      </p:cBhvr>
+                                      <p:tavLst>
+                                        <p:tav tm="0">
+                                          <p:val>
+                                            <p:strVal val="#ppt_y+.1"/>
+                                          </p:val>
+                                        </p:tav>
+                                        <p:tav tm="100000">
+                                          <p:val>
+                                            <p:strVal val="#ppt_y"/>
+                                          </p:val>
+                                        </p:tav>
+                                      </p:tavLst>
+                                    </p:anim>
+                                  </p:childTnLst>
+                                </p:cTn>
+                              </p:par>
+                            </p:childTnLst>
+                          </p:cTn>
+                        </p:par>
+                      </p:childTnLst>
+                    </p:cTn>
+                  </p:par>
+                  <p:par>
+                    <p:cTn id="15" fill="hold">
+                      <p:stCondLst>
+                        <p:cond delay="indefinite"/>
+                      </p:stCondLst>
+                      <p:childTnLst>
+                        <p:par>
+                          <p:cTn id="16" fill="hold">
+                            <p:stCondLst>
+                              <p:cond delay="0"/>
+                            </p:stCondLst>
+                            <p:childTnLst>
+                              <p:par>
+                                <p:cTn id="17" presetID="42" presetClass="entr" presetSubtype="0" fill="hold" grpId="0" nodeType="clickEffect">
+                                  <p:stCondLst>
+                                    <p:cond delay="0"/>
+                                  </p:stCondLst>
+                                  <p:childTnLst>
+                                    <p:set>
+                                      <p:cBhvr>
+                                        <p:cTn id="18" dur="1" fill="hold">
+                                          <p:stCondLst>
+                                            <p:cond delay="0"/>
+                                          </p:stCondLst>
+                                        </p:cTn>
+                                        <p:tgtEl>
+                                          <p:spTgt spid="3">
+                                            <p:txEl>
+                                              <p:pRg st="1" end="1"/>
+                                            </p:txEl>
+                                          </p:spTgt>
+                                        </p:tgtEl>
+                                        <p:attrNameLst>
+                                          <p:attrName>style.visibility</p:attrName>
+                                        </p:attrNameLst>
+                                      </p:cBhvr>
+                                      <p:to>
+                                        <p:strVal val="visible"/>
+                                      </p:to>
+                                    </p:set>
+                                    <p:animEffect transition="in" filter="fade">
+                                      <p:cBhvr>
+                                        <p:cTn id="19" dur="1000"/>
+                                        <p:tgtEl>
+                                          <p:spTgt spid="3">
+                                            <p:txEl>
+                                              <p:pRg st="1" end="1"/>
+                                            </p:txEl>
+                                          </p:spTgt>
+                                        </p:tgtEl>
+                                      </p:cBhvr>
+                                    </p:animEffect>
+                                    <p:anim calcmode="lin" valueType="num">
+                                      <p:cBhvr>
+                                        <p:cTn id="20" dur="1000" fill="hold"/>
+                                        <p:tgtEl>
+                                          <p:spTgt spid="3">
+                                            <p:txEl>
+                                              <p:pRg st="1" end="1"/>
+                                            </p:txEl>
+                                          </p:spTgt>
+                                        </p:tgtEl>
+                                        <p:attrNameLst>
+                                          <p:attrName>ppt_x</p:attrName>
+                                        </p:attrNameLst>
+                                      </p:cBhvr>
+                                      <p:tavLst>
+                                        <p:tav tm="0">
+                                          <p:val>
+                                            <p:strVal val="#ppt_x"/>
+                                          </p:val>
+                                        </p:tav>
+                                        <p:tav tm="100000">
+                                          <p:val>
+                                            <p:strVal val="#ppt_x"/>
+                                          </p:val>
+                                        </p:tav>
+                                      </p:tavLst>
+                                    </p:anim>
+                                    <p:anim calcmode="lin" valueType="num">
+                                      <p:cBhvr>
+                                        <p:cTn id="21" dur="1000" fill="hold"/>
+                                        <p:tgtEl>
+                                          <p:spTgt spid="3">
+                                            <p:txEl>
+                                              <p:pRg st="1" end="1"/>
+                                            </p:txEl>
+                                          </p:spTgt>
+                                        </p:tgtEl>
+                                        <p:attrNameLst>
+                                          <p:attrName>ppt_y</p:attrName>
+                                        </p:attrNameLst>
+                                      </p:cBhvr>
+                                      <p:tavLst>
+                                        <p:tav tm="0">
+                                          <p:val>
+                                            <p:strVal val="#ppt_y+.1"/>
+                                          </p:val>
+                                        </p:tav>
+                                        <p:tav tm="100000">
+                                          <p:val>
+                                            <p:strVal val="#ppt_y"/>
+                                          </p:val>
+                                        </p:tav>
+                                      </p:tavLst>
+                                    </p:anim>
+                                  </p:childTnLst>
+                                </p:cTn>
+                              </p:par>
+                            </p:childTnLst>
+                          </p:cTn>
+                        </p:par>
+                      </p:childTnLst>
+                    </p:cTn>
+                  </p:par>
+                  <p:par>
+                    <p:cTn id="22" fill="hold">
+                      <p:stCondLst>
+                        <p:cond delay="indefinite"/>
+                      </p:stCondLst>
+                      <p:childTnLst>
+                        <p:par>
+                          <p:cTn id="23" fill="hold">
+                            <p:stCondLst>
+                              <p:cond delay="0"/>
+                            </p:stCondLst>
+                            <p:childTnLst>
+                              <p:par>
+                                <p:cTn id="24" presetID="42" presetClass="entr" presetSubtype="0" fill="hold" grpId="0" nodeType="clickEffect">
+                                  <p:stCondLst>
+                                    <p:cond delay="0"/>
+                                  </p:stCondLst>
+                                  <p:childTnLst>
+                                    <p:set>
+                                      <p:cBhvr>
+                                        <p:cTn id="25" dur="1" fill="hold">
+                                          <p:stCondLst>
+                                            <p:cond delay="0"/>
+                                          </p:stCondLst>
+                                        </p:cTn>
+                                        <p:tgtEl>
+                                          <p:spTgt spid="3">
+                                            <p:txEl>
+                                              <p:pRg st="2" end="2"/>
+                                            </p:txEl>
+                                          </p:spTgt>
+                                        </p:tgtEl>
+                                        <p:attrNameLst>
+                                          <p:attrName>style.visibility</p:attrName>
+                                        </p:attrNameLst>
+                                      </p:cBhvr>
+                                      <p:to>
+                                        <p:strVal val="visible"/>
+                                      </p:to>
+                                    </p:set>
+                                    <p:animEffect transition="in" filter="fade">
+                                      <p:cBhvr>
+                                        <p:cTn id="26" dur="1000"/>
+                                        <p:tgtEl>
+                                          <p:spTgt spid="3">
+                                            <p:txEl>
+                                              <p:pRg st="2" end="2"/>
+                                            </p:txEl>
+                                          </p:spTgt>
+                                        </p:tgtEl>
+                                      </p:cBhvr>
+                                    </p:animEffect>
+                                    <p:anim calcmode="lin" valueType="num">
+                                      <p:cBhvr>
+                                        <p:cTn id="27" dur="1000" fill="hold"/>
+                                        <p:tgtEl>
+                                          <p:spTgt spid="3">
+                                            <p:txEl>
+                                              <p:pRg st="2" end="2"/>
+                                            </p:txEl>
+                                          </p:spTgt>
+                                        </p:tgtEl>
+                                        <p:attrNameLst>
+                                          <p:attrName>ppt_x</p:attrName>
+                                        </p:attrNameLst>
+                                      </p:cBhvr>
+                                      <p:tavLst>
+                                        <p:tav tm="0">
+                                          <p:val>
+                                            <p:strVal val="#ppt_x"/>
+                                          </p:val>
+                                        </p:tav>
+                                        <p:tav tm="100000">
+                                          <p:val>
+                                            <p:strVal val="#ppt_x"/>
+                                          </p:val>
+                                        </p:tav>
+                                      </p:tavLst>
+                                    </p:anim>
+                                    <p:anim calcmode="lin" valueType="num">
+                                      <p:cBhvr>
+                                        <p:cTn id="28" dur="1000" fill="hold"/>
+                                        <p:tgtEl>
+                                          <p:spTgt spid="3">
+                                            <p:txEl>
+                                              <p:pRg st="2" end="2"/>
+                                            </p:txEl>
+                                          </p:spTgt>
+                                        </p:tgtEl>
+                                        <p:attrNameLst>
+                                          <p:attrName>ppt_y</p:attrName>
+                                        </p:attrNameLst>
+                                      </p:cBhvr>
+                                      <p:tavLst>
+                                        <p:tav tm="0">
+                                          <p:val>
+                                            <p:strVal val="#ppt_y+.1"/>
+                                          </p:val>
+                                        </p:tav>
+                                        <p:tav tm="100000">
+                                          <p:val>
+                                            <p:strVal val="#ppt_y"/>
+                                          </p:val>
+                                        </p:tav>
+                                      </p:tavLst>
+                                    </p:anim>
+                                  </p:childTnLst>
+                                </p:cTn>
+                              </p:par>
+                            </p:childTnLst>
+                          </p:cTn>
+                        </p:par>
+                      </p:childTnLst>
+                    </p:cTn>
+                  </p:par>
+                </p:childTnLst>
+              </p:cTn>
+              <p:prevCondLst>
+                <p:cond evt="onPrev" delay="0">
+                  <p:tgtEl>
+                    <p:sldTgt/>
+                  </p:tgtEl>
+                </p:cond>
+              </p:prevCondLst>
+              <p:nextCondLst>
+                <p:cond evt="onNext" delay="0">
+                  <p:tgtEl>
+                    <p:sldTgt/>
+                  </p:tgtEl>
+                </p:cond>
+              </p:nextCondLst>
+            </p:seq>
+          </p:childTnLst>
+        </p:cTn>
       </p:par>
     </p:tnLst>
+    <p:bldLst>
+      <p:bldP spid="2" grpId="0"/>
+      <p:bldP spid="3" grpId="0" build="p"/>
+    </p:bldLst>
   </p:timing>
 </p:sld>
 </file>
@@ -6744,20 +7174,142 @@
   </p:clrMapOvr>
   <mc:AlternateContent xmlns:mc="http://schemas.openxmlformats.org/markup-compatibility/2006">
     <mc:Choice xmlns:p14="http://schemas.microsoft.com/office/powerpoint/2010/main" Requires="p14">
-      <p:transition spd="med" p14:dur="700">
-        <p:fade/>
+      <p:transition spd="slow" p14:dur="1500">
+        <p:split orient="vert"/>
       </p:transition>
     </mc:Choice>
     <mc:Fallback>
-      <p:transition spd="med">
-        <p:fade/>
+      <p:transition spd="slow">
+        <p:split orient="vert"/>
       </p:transition>
     </mc:Fallback>
   </mc:AlternateContent>
   <p:timing>
     <p:tnLst>
       <p:par>
-        <p:cTn id="1" dur="indefinite" restart="never" nodeType="tmRoot"/>
+        <p:cTn id="1" dur="indefinite" restart="never" nodeType="tmRoot">
+          <p:childTnLst>
+            <p:seq concurrent="1" nextAc="seek">
+              <p:cTn id="2" dur="indefinite" nodeType="mainSeq">
+                <p:childTnLst>
+                  <p:par>
+                    <p:cTn id="3" fill="hold">
+                      <p:stCondLst>
+                        <p:cond delay="indefinite"/>
+                      </p:stCondLst>
+                      <p:childTnLst>
+                        <p:par>
+                          <p:cTn id="4" fill="hold">
+                            <p:stCondLst>
+                              <p:cond delay="0"/>
+                            </p:stCondLst>
+                            <p:childTnLst>
+                              <p:par>
+                                <p:cTn id="5" presetID="42" presetClass="entr" presetSubtype="0" fill="hold" nodeType="clickEffect">
+                                  <p:stCondLst>
+                                    <p:cond delay="0"/>
+                                  </p:stCondLst>
+                                  <p:childTnLst>
+                                    <p:set>
+                                      <p:cBhvr>
+                                        <p:cTn id="6" dur="1" fill="hold">
+                                          <p:stCondLst>
+                                            <p:cond delay="0"/>
+                                          </p:stCondLst>
+                                        </p:cTn>
+                                        <p:tgtEl>
+                                          <p:spTgt spid="4"/>
+                                        </p:tgtEl>
+                                        <p:attrNameLst>
+                                          <p:attrName>style.visibility</p:attrName>
+                                        </p:attrNameLst>
+                                      </p:cBhvr>
+                                      <p:to>
+                                        <p:strVal val="visible"/>
+                                      </p:to>
+                                    </p:set>
+                                    <p:animEffect transition="in" filter="fade">
+                                      <p:cBhvr>
+                                        <p:cTn id="7" dur="1000"/>
+                                        <p:tgtEl>
+                                          <p:spTgt spid="4"/>
+                                        </p:tgtEl>
+                                      </p:cBhvr>
+                                    </p:animEffect>
+                                    <p:anim calcmode="lin" valueType="num">
+                                      <p:cBhvr>
+                                        <p:cTn id="8" dur="1000" fill="hold"/>
+                                        <p:tgtEl>
+                                          <p:spTgt spid="4"/>
+                                        </p:tgtEl>
+                                        <p:attrNameLst>
+                                          <p:attrName>ppt_x</p:attrName>
+                                        </p:attrNameLst>
+                                      </p:cBhvr>
+                                      <p:tavLst>
+                                        <p:tav tm="0">
+                                          <p:val>
+                                            <p:strVal val="#ppt_x"/>
+                                          </p:val>
+                                        </p:tav>
+                                        <p:tav tm="100000">
+                                          <p:val>
+                                            <p:strVal val="#ppt_x"/>
+                                          </p:val>
+                                        </p:tav>
+                                      </p:tavLst>
+                                    </p:anim>
+                                    <p:anim calcmode="lin" valueType="num">
+                                      <p:cBhvr>
+                                        <p:cTn id="9" dur="1000" fill="hold"/>
+                                        <p:tgtEl>
+                                          <p:spTgt spid="4"/>
+                                        </p:tgtEl>
+                                        <p:attrNameLst>
+                                          <p:attrName>ppt_y</p:attrName>
+                                        </p:attrNameLst>
+                                      </p:cBhvr>
+                                      <p:tavLst>
+                                        <p:tav tm="0">
+                                          <p:val>
+                                            <p:strVal val="#ppt_y+.1"/>
+                                          </p:val>
+                                        </p:tav>
+                                        <p:tav tm="100000">
+                                          <p:val>
+                                            <p:strVal val="#ppt_y"/>
+                                          </p:val>
+                                        </p:tav>
+                                      </p:tavLst>
+                                    </p:anim>
+                                  </p:childTnLst>
+                                </p:cTn>
+                              </p:par>
+                            </p:childTnLst>
+                          </p:cTn>
+                        </p:par>
+                      </p:childTnLst>
+                    </p:cTn>
+                  </p:par>
+                </p:childTnLst>
+              </p:cTn>
+              <p:prevCondLst>
+                <p:cond evt="onPrev" delay="0">
+                  <p:tgtEl>
+                    <p:sldTgt/>
+                  </p:tgtEl>
+                </p:cond>
+              </p:prevCondLst>
+              <p:nextCondLst>
+                <p:cond evt="onNext" delay="0">
+                  <p:tgtEl>
+                    <p:sldTgt/>
+                  </p:tgtEl>
+                </p:cond>
+              </p:nextCondLst>
+            </p:seq>
+          </p:childTnLst>
+        </p:cTn>
       </p:par>
     </p:tnLst>
   </p:timing>
@@ -7207,13 +7759,13 @@
   </p:clrMapOvr>
   <mc:AlternateContent xmlns:mc="http://schemas.openxmlformats.org/markup-compatibility/2006">
     <mc:Choice xmlns:p14="http://schemas.microsoft.com/office/powerpoint/2010/main" Requires="p14">
-      <p:transition spd="slow" p14:dur="3400">
-        <p14:reveal/>
+      <p:transition spd="slow" p14:dur="1200">
+        <p:dissolve/>
       </p:transition>
     </mc:Choice>
     <mc:Fallback>
       <p:transition spd="slow">
-        <p:fade/>
+        <p:dissolve/>
       </p:transition>
     </mc:Fallback>
   </mc:AlternateContent>
@@ -7283,7 +7835,7 @@
   <mc:AlternateContent xmlns:mc="http://schemas.openxmlformats.org/markup-compatibility/2006">
     <mc:Choice xmlns:p15="http://schemas.microsoft.com/office/powerpoint/2012/main" Requires="p15">
       <p:transition xmlns:p14="http://schemas.microsoft.com/office/powerpoint/2010/main" spd="slow" p14:dur="2000">
-        <p15:prstTrans prst="fracture"/>
+        <p15:prstTrans prst="fallOver"/>
       </p:transition>
     </mc:Choice>
     <mc:Fallback>
@@ -7812,9 +8364,9 @@
     <a:masterClrMapping/>
   </p:clrMapOvr>
   <mc:AlternateContent xmlns:mc="http://schemas.openxmlformats.org/markup-compatibility/2006">
-    <mc:Choice xmlns:p15="http://schemas.microsoft.com/office/powerpoint/2012/main" Requires="p15">
-      <p:transition xmlns:p14="http://schemas.microsoft.com/office/powerpoint/2010/main" spd="slow" p14:dur="2000">
-        <p15:prstTrans prst="wind"/>
+    <mc:Choice xmlns:p14="http://schemas.microsoft.com/office/powerpoint/2010/main" Requires="p14">
+      <p:transition spd="slow" p14:dur="3900">
+        <p14:glitter pattern="hexagon"/>
       </p:transition>
     </mc:Choice>
     <mc:Fallback>
@@ -7826,9 +8378,1513 @@
   <p:timing>
     <p:tnLst>
       <p:par>
-        <p:cTn id="1" dur="indefinite" restart="never" nodeType="tmRoot"/>
+        <p:cTn id="1" dur="indefinite" restart="never" nodeType="tmRoot">
+          <p:childTnLst>
+            <p:seq concurrent="1" nextAc="seek">
+              <p:cTn id="2" dur="indefinite" nodeType="mainSeq">
+                <p:childTnLst>
+                  <p:par>
+                    <p:cTn id="3" fill="hold">
+                      <p:stCondLst>
+                        <p:cond delay="indefinite"/>
+                      </p:stCondLst>
+                      <p:childTnLst>
+                        <p:par>
+                          <p:cTn id="4" fill="hold">
+                            <p:stCondLst>
+                              <p:cond delay="0"/>
+                            </p:stCondLst>
+                            <p:childTnLst>
+                              <p:par>
+                                <p:cTn id="5" presetID="26" presetClass="entr" presetSubtype="0" fill="hold" grpId="0" nodeType="clickEffect">
+                                  <p:stCondLst>
+                                    <p:cond delay="0"/>
+                                  </p:stCondLst>
+                                  <p:childTnLst>
+                                    <p:set>
+                                      <p:cBhvr>
+                                        <p:cTn id="6" dur="1" fill="hold">
+                                          <p:stCondLst>
+                                            <p:cond delay="0"/>
+                                          </p:stCondLst>
+                                        </p:cTn>
+                                        <p:tgtEl>
+                                          <p:spTgt spid="3">
+                                            <p:txEl>
+                                              <p:pRg st="0" end="0"/>
+                                            </p:txEl>
+                                          </p:spTgt>
+                                        </p:tgtEl>
+                                        <p:attrNameLst>
+                                          <p:attrName>style.visibility</p:attrName>
+                                        </p:attrNameLst>
+                                      </p:cBhvr>
+                                      <p:to>
+                                        <p:strVal val="visible"/>
+                                      </p:to>
+                                    </p:set>
+                                    <p:animEffect transition="in" filter="wipe(down)">
+                                      <p:cBhvr>
+                                        <p:cTn id="7" dur="580">
+                                          <p:stCondLst>
+                                            <p:cond delay="0"/>
+                                          </p:stCondLst>
+                                        </p:cTn>
+                                        <p:tgtEl>
+                                          <p:spTgt spid="3">
+                                            <p:txEl>
+                                              <p:pRg st="0" end="0"/>
+                                            </p:txEl>
+                                          </p:spTgt>
+                                        </p:tgtEl>
+                                      </p:cBhvr>
+                                    </p:animEffect>
+                                    <p:anim calcmode="lin" valueType="num">
+                                      <p:cBhvr>
+                                        <p:cTn id="8" dur="1822" tmFilter="0,0; 0.14,0.36; 0.43,0.73; 0.71,0.91; 1.0,1.0">
+                                          <p:stCondLst>
+                                            <p:cond delay="0"/>
+                                          </p:stCondLst>
+                                        </p:cTn>
+                                        <p:tgtEl>
+                                          <p:spTgt spid="3">
+                                            <p:txEl>
+                                              <p:pRg st="0" end="0"/>
+                                            </p:txEl>
+                                          </p:spTgt>
+                                        </p:tgtEl>
+                                        <p:attrNameLst>
+                                          <p:attrName>ppt_x</p:attrName>
+                                        </p:attrNameLst>
+                                      </p:cBhvr>
+                                      <p:tavLst>
+                                        <p:tav tm="0">
+                                          <p:val>
+                                            <p:strVal val="#ppt_x-0.25"/>
+                                          </p:val>
+                                        </p:tav>
+                                        <p:tav tm="100000">
+                                          <p:val>
+                                            <p:strVal val="#ppt_x"/>
+                                          </p:val>
+                                        </p:tav>
+                                      </p:tavLst>
+                                    </p:anim>
+                                    <p:anim calcmode="lin" valueType="num">
+                                      <p:cBhvr>
+                                        <p:cTn id="9" dur="664" tmFilter="0.0,0.0; 0.25,0.07; 0.50,0.2; 0.75,0.467; 1.0,1.0">
+                                          <p:stCondLst>
+                                            <p:cond delay="0"/>
+                                          </p:stCondLst>
+                                        </p:cTn>
+                                        <p:tgtEl>
+                                          <p:spTgt spid="3">
+                                            <p:txEl>
+                                              <p:pRg st="0" end="0"/>
+                                            </p:txEl>
+                                          </p:spTgt>
+                                        </p:tgtEl>
+                                        <p:attrNameLst>
+                                          <p:attrName>ppt_y</p:attrName>
+                                        </p:attrNameLst>
+                                      </p:cBhvr>
+                                      <p:tavLst>
+                                        <p:tav tm="0" fmla="#ppt_y-sin(pi*$)/3">
+                                          <p:val>
+                                            <p:fltVal val="0.5"/>
+                                          </p:val>
+                                        </p:tav>
+                                        <p:tav tm="100000">
+                                          <p:val>
+                                            <p:fltVal val="1"/>
+                                          </p:val>
+                                        </p:tav>
+                                      </p:tavLst>
+                                    </p:anim>
+                                    <p:anim calcmode="lin" valueType="num">
+                                      <p:cBhvr>
+                                        <p:cTn id="10" dur="664" tmFilter="0, 0; 0.125,0.2665; 0.25,0.4; 0.375,0.465; 0.5,0.5;  0.625,0.535; 0.75,0.6; 0.875,0.7335; 1,1">
+                                          <p:stCondLst>
+                                            <p:cond delay="664"/>
+                                          </p:stCondLst>
+                                        </p:cTn>
+                                        <p:tgtEl>
+                                          <p:spTgt spid="3">
+                                            <p:txEl>
+                                              <p:pRg st="0" end="0"/>
+                                            </p:txEl>
+                                          </p:spTgt>
+                                        </p:tgtEl>
+                                        <p:attrNameLst>
+                                          <p:attrName>ppt_y</p:attrName>
+                                        </p:attrNameLst>
+                                      </p:cBhvr>
+                                      <p:tavLst>
+                                        <p:tav tm="0" fmla="#ppt_y-sin(pi*$)/9">
+                                          <p:val>
+                                            <p:fltVal val="0"/>
+                                          </p:val>
+                                        </p:tav>
+                                        <p:tav tm="100000">
+                                          <p:val>
+                                            <p:fltVal val="1"/>
+                                          </p:val>
+                                        </p:tav>
+                                      </p:tavLst>
+                                    </p:anim>
+                                    <p:anim calcmode="lin" valueType="num">
+                                      <p:cBhvr>
+                                        <p:cTn id="11" dur="332" tmFilter="0, 0; 0.125,0.2665; 0.25,0.4; 0.375,0.465; 0.5,0.5;  0.625,0.535; 0.75,0.6; 0.875,0.7335; 1,1">
+                                          <p:stCondLst>
+                                            <p:cond delay="1324"/>
+                                          </p:stCondLst>
+                                        </p:cTn>
+                                        <p:tgtEl>
+                                          <p:spTgt spid="3">
+                                            <p:txEl>
+                                              <p:pRg st="0" end="0"/>
+                                            </p:txEl>
+                                          </p:spTgt>
+                                        </p:tgtEl>
+                                        <p:attrNameLst>
+                                          <p:attrName>ppt_y</p:attrName>
+                                        </p:attrNameLst>
+                                      </p:cBhvr>
+                                      <p:tavLst>
+                                        <p:tav tm="0" fmla="#ppt_y-sin(pi*$)/27">
+                                          <p:val>
+                                            <p:fltVal val="0"/>
+                                          </p:val>
+                                        </p:tav>
+                                        <p:tav tm="100000">
+                                          <p:val>
+                                            <p:fltVal val="1"/>
+                                          </p:val>
+                                        </p:tav>
+                                      </p:tavLst>
+                                    </p:anim>
+                                    <p:anim calcmode="lin" valueType="num">
+                                      <p:cBhvr>
+                                        <p:cTn id="12" dur="164" tmFilter="0, 0; 0.125,0.2665; 0.25,0.4; 0.375,0.465; 0.5,0.5;  0.625,0.535; 0.75,0.6; 0.875,0.7335; 1,1">
+                                          <p:stCondLst>
+                                            <p:cond delay="1656"/>
+                                          </p:stCondLst>
+                                        </p:cTn>
+                                        <p:tgtEl>
+                                          <p:spTgt spid="3">
+                                            <p:txEl>
+                                              <p:pRg st="0" end="0"/>
+                                            </p:txEl>
+                                          </p:spTgt>
+                                        </p:tgtEl>
+                                        <p:attrNameLst>
+                                          <p:attrName>ppt_y</p:attrName>
+                                        </p:attrNameLst>
+                                      </p:cBhvr>
+                                      <p:tavLst>
+                                        <p:tav tm="0" fmla="#ppt_y-sin(pi*$)/81">
+                                          <p:val>
+                                            <p:fltVal val="0"/>
+                                          </p:val>
+                                        </p:tav>
+                                        <p:tav tm="100000">
+                                          <p:val>
+                                            <p:fltVal val="1"/>
+                                          </p:val>
+                                        </p:tav>
+                                      </p:tavLst>
+                                    </p:anim>
+                                    <p:animScale>
+                                      <p:cBhvr>
+                                        <p:cTn id="13" dur="26">
+                                          <p:stCondLst>
+                                            <p:cond delay="650"/>
+                                          </p:stCondLst>
+                                        </p:cTn>
+                                        <p:tgtEl>
+                                          <p:spTgt spid="3">
+                                            <p:txEl>
+                                              <p:pRg st="0" end="0"/>
+                                            </p:txEl>
+                                          </p:spTgt>
+                                        </p:tgtEl>
+                                      </p:cBhvr>
+                                      <p:to x="100000" y="60000"/>
+                                    </p:animScale>
+                                    <p:animScale>
+                                      <p:cBhvr>
+                                        <p:cTn id="14" dur="166" decel="50000">
+                                          <p:stCondLst>
+                                            <p:cond delay="676"/>
+                                          </p:stCondLst>
+                                        </p:cTn>
+                                        <p:tgtEl>
+                                          <p:spTgt spid="3">
+                                            <p:txEl>
+                                              <p:pRg st="0" end="0"/>
+                                            </p:txEl>
+                                          </p:spTgt>
+                                        </p:tgtEl>
+                                      </p:cBhvr>
+                                      <p:to x="100000" y="100000"/>
+                                    </p:animScale>
+                                    <p:animScale>
+                                      <p:cBhvr>
+                                        <p:cTn id="15" dur="26">
+                                          <p:stCondLst>
+                                            <p:cond delay="1312"/>
+                                          </p:stCondLst>
+                                        </p:cTn>
+                                        <p:tgtEl>
+                                          <p:spTgt spid="3">
+                                            <p:txEl>
+                                              <p:pRg st="0" end="0"/>
+                                            </p:txEl>
+                                          </p:spTgt>
+                                        </p:tgtEl>
+                                      </p:cBhvr>
+                                      <p:to x="100000" y="80000"/>
+                                    </p:animScale>
+                                    <p:animScale>
+                                      <p:cBhvr>
+                                        <p:cTn id="16" dur="166" decel="50000">
+                                          <p:stCondLst>
+                                            <p:cond delay="1338"/>
+                                          </p:stCondLst>
+                                        </p:cTn>
+                                        <p:tgtEl>
+                                          <p:spTgt spid="3">
+                                            <p:txEl>
+                                              <p:pRg st="0" end="0"/>
+                                            </p:txEl>
+                                          </p:spTgt>
+                                        </p:tgtEl>
+                                      </p:cBhvr>
+                                      <p:to x="100000" y="100000"/>
+                                    </p:animScale>
+                                    <p:animScale>
+                                      <p:cBhvr>
+                                        <p:cTn id="17" dur="26">
+                                          <p:stCondLst>
+                                            <p:cond delay="1642"/>
+                                          </p:stCondLst>
+                                        </p:cTn>
+                                        <p:tgtEl>
+                                          <p:spTgt spid="3">
+                                            <p:txEl>
+                                              <p:pRg st="0" end="0"/>
+                                            </p:txEl>
+                                          </p:spTgt>
+                                        </p:tgtEl>
+                                      </p:cBhvr>
+                                      <p:to x="100000" y="90000"/>
+                                    </p:animScale>
+                                    <p:animScale>
+                                      <p:cBhvr>
+                                        <p:cTn id="18" dur="166" decel="50000">
+                                          <p:stCondLst>
+                                            <p:cond delay="1668"/>
+                                          </p:stCondLst>
+                                        </p:cTn>
+                                        <p:tgtEl>
+                                          <p:spTgt spid="3">
+                                            <p:txEl>
+                                              <p:pRg st="0" end="0"/>
+                                            </p:txEl>
+                                          </p:spTgt>
+                                        </p:tgtEl>
+                                      </p:cBhvr>
+                                      <p:to x="100000" y="100000"/>
+                                    </p:animScale>
+                                    <p:animScale>
+                                      <p:cBhvr>
+                                        <p:cTn id="19" dur="26">
+                                          <p:stCondLst>
+                                            <p:cond delay="1808"/>
+                                          </p:stCondLst>
+                                        </p:cTn>
+                                        <p:tgtEl>
+                                          <p:spTgt spid="3">
+                                            <p:txEl>
+                                              <p:pRg st="0" end="0"/>
+                                            </p:txEl>
+                                          </p:spTgt>
+                                        </p:tgtEl>
+                                      </p:cBhvr>
+                                      <p:to x="100000" y="95000"/>
+                                    </p:animScale>
+                                    <p:animScale>
+                                      <p:cBhvr>
+                                        <p:cTn id="20" dur="166" decel="50000">
+                                          <p:stCondLst>
+                                            <p:cond delay="1834"/>
+                                          </p:stCondLst>
+                                        </p:cTn>
+                                        <p:tgtEl>
+                                          <p:spTgt spid="3">
+                                            <p:txEl>
+                                              <p:pRg st="0" end="0"/>
+                                            </p:txEl>
+                                          </p:spTgt>
+                                        </p:tgtEl>
+                                      </p:cBhvr>
+                                      <p:to x="100000" y="100000"/>
+                                    </p:animScale>
+                                  </p:childTnLst>
+                                </p:cTn>
+                              </p:par>
+                            </p:childTnLst>
+                          </p:cTn>
+                        </p:par>
+                      </p:childTnLst>
+                    </p:cTn>
+                  </p:par>
+                  <p:par>
+                    <p:cTn id="21" fill="hold">
+                      <p:stCondLst>
+                        <p:cond delay="indefinite"/>
+                      </p:stCondLst>
+                      <p:childTnLst>
+                        <p:par>
+                          <p:cTn id="22" fill="hold">
+                            <p:stCondLst>
+                              <p:cond delay="0"/>
+                            </p:stCondLst>
+                            <p:childTnLst>
+                              <p:par>
+                                <p:cTn id="23" presetID="26" presetClass="entr" presetSubtype="0" fill="hold" grpId="0" nodeType="clickEffect">
+                                  <p:stCondLst>
+                                    <p:cond delay="0"/>
+                                  </p:stCondLst>
+                                  <p:childTnLst>
+                                    <p:set>
+                                      <p:cBhvr>
+                                        <p:cTn id="24" dur="1" fill="hold">
+                                          <p:stCondLst>
+                                            <p:cond delay="0"/>
+                                          </p:stCondLst>
+                                        </p:cTn>
+                                        <p:tgtEl>
+                                          <p:spTgt spid="3">
+                                            <p:txEl>
+                                              <p:pRg st="1" end="1"/>
+                                            </p:txEl>
+                                          </p:spTgt>
+                                        </p:tgtEl>
+                                        <p:attrNameLst>
+                                          <p:attrName>style.visibility</p:attrName>
+                                        </p:attrNameLst>
+                                      </p:cBhvr>
+                                      <p:to>
+                                        <p:strVal val="visible"/>
+                                      </p:to>
+                                    </p:set>
+                                    <p:animEffect transition="in" filter="wipe(down)">
+                                      <p:cBhvr>
+                                        <p:cTn id="25" dur="580">
+                                          <p:stCondLst>
+                                            <p:cond delay="0"/>
+                                          </p:stCondLst>
+                                        </p:cTn>
+                                        <p:tgtEl>
+                                          <p:spTgt spid="3">
+                                            <p:txEl>
+                                              <p:pRg st="1" end="1"/>
+                                            </p:txEl>
+                                          </p:spTgt>
+                                        </p:tgtEl>
+                                      </p:cBhvr>
+                                    </p:animEffect>
+                                    <p:anim calcmode="lin" valueType="num">
+                                      <p:cBhvr>
+                                        <p:cTn id="26" dur="1822" tmFilter="0,0; 0.14,0.36; 0.43,0.73; 0.71,0.91; 1.0,1.0">
+                                          <p:stCondLst>
+                                            <p:cond delay="0"/>
+                                          </p:stCondLst>
+                                        </p:cTn>
+                                        <p:tgtEl>
+                                          <p:spTgt spid="3">
+                                            <p:txEl>
+                                              <p:pRg st="1" end="1"/>
+                                            </p:txEl>
+                                          </p:spTgt>
+                                        </p:tgtEl>
+                                        <p:attrNameLst>
+                                          <p:attrName>ppt_x</p:attrName>
+                                        </p:attrNameLst>
+                                      </p:cBhvr>
+                                      <p:tavLst>
+                                        <p:tav tm="0">
+                                          <p:val>
+                                            <p:strVal val="#ppt_x-0.25"/>
+                                          </p:val>
+                                        </p:tav>
+                                        <p:tav tm="100000">
+                                          <p:val>
+                                            <p:strVal val="#ppt_x"/>
+                                          </p:val>
+                                        </p:tav>
+                                      </p:tavLst>
+                                    </p:anim>
+                                    <p:anim calcmode="lin" valueType="num">
+                                      <p:cBhvr>
+                                        <p:cTn id="27" dur="664" tmFilter="0.0,0.0; 0.25,0.07; 0.50,0.2; 0.75,0.467; 1.0,1.0">
+                                          <p:stCondLst>
+                                            <p:cond delay="0"/>
+                                          </p:stCondLst>
+                                        </p:cTn>
+                                        <p:tgtEl>
+                                          <p:spTgt spid="3">
+                                            <p:txEl>
+                                              <p:pRg st="1" end="1"/>
+                                            </p:txEl>
+                                          </p:spTgt>
+                                        </p:tgtEl>
+                                        <p:attrNameLst>
+                                          <p:attrName>ppt_y</p:attrName>
+                                        </p:attrNameLst>
+                                      </p:cBhvr>
+                                      <p:tavLst>
+                                        <p:tav tm="0" fmla="#ppt_y-sin(pi*$)/3">
+                                          <p:val>
+                                            <p:fltVal val="0.5"/>
+                                          </p:val>
+                                        </p:tav>
+                                        <p:tav tm="100000">
+                                          <p:val>
+                                            <p:fltVal val="1"/>
+                                          </p:val>
+                                        </p:tav>
+                                      </p:tavLst>
+                                    </p:anim>
+                                    <p:anim calcmode="lin" valueType="num">
+                                      <p:cBhvr>
+                                        <p:cTn id="28" dur="664" tmFilter="0, 0; 0.125,0.2665; 0.25,0.4; 0.375,0.465; 0.5,0.5;  0.625,0.535; 0.75,0.6; 0.875,0.7335; 1,1">
+                                          <p:stCondLst>
+                                            <p:cond delay="664"/>
+                                          </p:stCondLst>
+                                        </p:cTn>
+                                        <p:tgtEl>
+                                          <p:spTgt spid="3">
+                                            <p:txEl>
+                                              <p:pRg st="1" end="1"/>
+                                            </p:txEl>
+                                          </p:spTgt>
+                                        </p:tgtEl>
+                                        <p:attrNameLst>
+                                          <p:attrName>ppt_y</p:attrName>
+                                        </p:attrNameLst>
+                                      </p:cBhvr>
+                                      <p:tavLst>
+                                        <p:tav tm="0" fmla="#ppt_y-sin(pi*$)/9">
+                                          <p:val>
+                                            <p:fltVal val="0"/>
+                                          </p:val>
+                                        </p:tav>
+                                        <p:tav tm="100000">
+                                          <p:val>
+                                            <p:fltVal val="1"/>
+                                          </p:val>
+                                        </p:tav>
+                                      </p:tavLst>
+                                    </p:anim>
+                                    <p:anim calcmode="lin" valueType="num">
+                                      <p:cBhvr>
+                                        <p:cTn id="29" dur="332" tmFilter="0, 0; 0.125,0.2665; 0.25,0.4; 0.375,0.465; 0.5,0.5;  0.625,0.535; 0.75,0.6; 0.875,0.7335; 1,1">
+                                          <p:stCondLst>
+                                            <p:cond delay="1324"/>
+                                          </p:stCondLst>
+                                        </p:cTn>
+                                        <p:tgtEl>
+                                          <p:spTgt spid="3">
+                                            <p:txEl>
+                                              <p:pRg st="1" end="1"/>
+                                            </p:txEl>
+                                          </p:spTgt>
+                                        </p:tgtEl>
+                                        <p:attrNameLst>
+                                          <p:attrName>ppt_y</p:attrName>
+                                        </p:attrNameLst>
+                                      </p:cBhvr>
+                                      <p:tavLst>
+                                        <p:tav tm="0" fmla="#ppt_y-sin(pi*$)/27">
+                                          <p:val>
+                                            <p:fltVal val="0"/>
+                                          </p:val>
+                                        </p:tav>
+                                        <p:tav tm="100000">
+                                          <p:val>
+                                            <p:fltVal val="1"/>
+                                          </p:val>
+                                        </p:tav>
+                                      </p:tavLst>
+                                    </p:anim>
+                                    <p:anim calcmode="lin" valueType="num">
+                                      <p:cBhvr>
+                                        <p:cTn id="30" dur="164" tmFilter="0, 0; 0.125,0.2665; 0.25,0.4; 0.375,0.465; 0.5,0.5;  0.625,0.535; 0.75,0.6; 0.875,0.7335; 1,1">
+                                          <p:stCondLst>
+                                            <p:cond delay="1656"/>
+                                          </p:stCondLst>
+                                        </p:cTn>
+                                        <p:tgtEl>
+                                          <p:spTgt spid="3">
+                                            <p:txEl>
+                                              <p:pRg st="1" end="1"/>
+                                            </p:txEl>
+                                          </p:spTgt>
+                                        </p:tgtEl>
+                                        <p:attrNameLst>
+                                          <p:attrName>ppt_y</p:attrName>
+                                        </p:attrNameLst>
+                                      </p:cBhvr>
+                                      <p:tavLst>
+                                        <p:tav tm="0" fmla="#ppt_y-sin(pi*$)/81">
+                                          <p:val>
+                                            <p:fltVal val="0"/>
+                                          </p:val>
+                                        </p:tav>
+                                        <p:tav tm="100000">
+                                          <p:val>
+                                            <p:fltVal val="1"/>
+                                          </p:val>
+                                        </p:tav>
+                                      </p:tavLst>
+                                    </p:anim>
+                                    <p:animScale>
+                                      <p:cBhvr>
+                                        <p:cTn id="31" dur="26">
+                                          <p:stCondLst>
+                                            <p:cond delay="650"/>
+                                          </p:stCondLst>
+                                        </p:cTn>
+                                        <p:tgtEl>
+                                          <p:spTgt spid="3">
+                                            <p:txEl>
+                                              <p:pRg st="1" end="1"/>
+                                            </p:txEl>
+                                          </p:spTgt>
+                                        </p:tgtEl>
+                                      </p:cBhvr>
+                                      <p:to x="100000" y="60000"/>
+                                    </p:animScale>
+                                    <p:animScale>
+                                      <p:cBhvr>
+                                        <p:cTn id="32" dur="166" decel="50000">
+                                          <p:stCondLst>
+                                            <p:cond delay="676"/>
+                                          </p:stCondLst>
+                                        </p:cTn>
+                                        <p:tgtEl>
+                                          <p:spTgt spid="3">
+                                            <p:txEl>
+                                              <p:pRg st="1" end="1"/>
+                                            </p:txEl>
+                                          </p:spTgt>
+                                        </p:tgtEl>
+                                      </p:cBhvr>
+                                      <p:to x="100000" y="100000"/>
+                                    </p:animScale>
+                                    <p:animScale>
+                                      <p:cBhvr>
+                                        <p:cTn id="33" dur="26">
+                                          <p:stCondLst>
+                                            <p:cond delay="1312"/>
+                                          </p:stCondLst>
+                                        </p:cTn>
+                                        <p:tgtEl>
+                                          <p:spTgt spid="3">
+                                            <p:txEl>
+                                              <p:pRg st="1" end="1"/>
+                                            </p:txEl>
+                                          </p:spTgt>
+                                        </p:tgtEl>
+                                      </p:cBhvr>
+                                      <p:to x="100000" y="80000"/>
+                                    </p:animScale>
+                                    <p:animScale>
+                                      <p:cBhvr>
+                                        <p:cTn id="34" dur="166" decel="50000">
+                                          <p:stCondLst>
+                                            <p:cond delay="1338"/>
+                                          </p:stCondLst>
+                                        </p:cTn>
+                                        <p:tgtEl>
+                                          <p:spTgt spid="3">
+                                            <p:txEl>
+                                              <p:pRg st="1" end="1"/>
+                                            </p:txEl>
+                                          </p:spTgt>
+                                        </p:tgtEl>
+                                      </p:cBhvr>
+                                      <p:to x="100000" y="100000"/>
+                                    </p:animScale>
+                                    <p:animScale>
+                                      <p:cBhvr>
+                                        <p:cTn id="35" dur="26">
+                                          <p:stCondLst>
+                                            <p:cond delay="1642"/>
+                                          </p:stCondLst>
+                                        </p:cTn>
+                                        <p:tgtEl>
+                                          <p:spTgt spid="3">
+                                            <p:txEl>
+                                              <p:pRg st="1" end="1"/>
+                                            </p:txEl>
+                                          </p:spTgt>
+                                        </p:tgtEl>
+                                      </p:cBhvr>
+                                      <p:to x="100000" y="90000"/>
+                                    </p:animScale>
+                                    <p:animScale>
+                                      <p:cBhvr>
+                                        <p:cTn id="36" dur="166" decel="50000">
+                                          <p:stCondLst>
+                                            <p:cond delay="1668"/>
+                                          </p:stCondLst>
+                                        </p:cTn>
+                                        <p:tgtEl>
+                                          <p:spTgt spid="3">
+                                            <p:txEl>
+                                              <p:pRg st="1" end="1"/>
+                                            </p:txEl>
+                                          </p:spTgt>
+                                        </p:tgtEl>
+                                      </p:cBhvr>
+                                      <p:to x="100000" y="100000"/>
+                                    </p:animScale>
+                                    <p:animScale>
+                                      <p:cBhvr>
+                                        <p:cTn id="37" dur="26">
+                                          <p:stCondLst>
+                                            <p:cond delay="1808"/>
+                                          </p:stCondLst>
+                                        </p:cTn>
+                                        <p:tgtEl>
+                                          <p:spTgt spid="3">
+                                            <p:txEl>
+                                              <p:pRg st="1" end="1"/>
+                                            </p:txEl>
+                                          </p:spTgt>
+                                        </p:tgtEl>
+                                      </p:cBhvr>
+                                      <p:to x="100000" y="95000"/>
+                                    </p:animScale>
+                                    <p:animScale>
+                                      <p:cBhvr>
+                                        <p:cTn id="38" dur="166" decel="50000">
+                                          <p:stCondLst>
+                                            <p:cond delay="1834"/>
+                                          </p:stCondLst>
+                                        </p:cTn>
+                                        <p:tgtEl>
+                                          <p:spTgt spid="3">
+                                            <p:txEl>
+                                              <p:pRg st="1" end="1"/>
+                                            </p:txEl>
+                                          </p:spTgt>
+                                        </p:tgtEl>
+                                      </p:cBhvr>
+                                      <p:to x="100000" y="100000"/>
+                                    </p:animScale>
+                                  </p:childTnLst>
+                                </p:cTn>
+                              </p:par>
+                            </p:childTnLst>
+                          </p:cTn>
+                        </p:par>
+                      </p:childTnLst>
+                    </p:cTn>
+                  </p:par>
+                  <p:par>
+                    <p:cTn id="39" fill="hold">
+                      <p:stCondLst>
+                        <p:cond delay="indefinite"/>
+                      </p:stCondLst>
+                      <p:childTnLst>
+                        <p:par>
+                          <p:cTn id="40" fill="hold">
+                            <p:stCondLst>
+                              <p:cond delay="0"/>
+                            </p:stCondLst>
+                            <p:childTnLst>
+                              <p:par>
+                                <p:cTn id="41" presetID="26" presetClass="entr" presetSubtype="0" fill="hold" grpId="0" nodeType="clickEffect">
+                                  <p:stCondLst>
+                                    <p:cond delay="0"/>
+                                  </p:stCondLst>
+                                  <p:childTnLst>
+                                    <p:set>
+                                      <p:cBhvr>
+                                        <p:cTn id="42" dur="1" fill="hold">
+                                          <p:stCondLst>
+                                            <p:cond delay="0"/>
+                                          </p:stCondLst>
+                                        </p:cTn>
+                                        <p:tgtEl>
+                                          <p:spTgt spid="3">
+                                            <p:txEl>
+                                              <p:pRg st="2" end="2"/>
+                                            </p:txEl>
+                                          </p:spTgt>
+                                        </p:tgtEl>
+                                        <p:attrNameLst>
+                                          <p:attrName>style.visibility</p:attrName>
+                                        </p:attrNameLst>
+                                      </p:cBhvr>
+                                      <p:to>
+                                        <p:strVal val="visible"/>
+                                      </p:to>
+                                    </p:set>
+                                    <p:animEffect transition="in" filter="wipe(down)">
+                                      <p:cBhvr>
+                                        <p:cTn id="43" dur="580">
+                                          <p:stCondLst>
+                                            <p:cond delay="0"/>
+                                          </p:stCondLst>
+                                        </p:cTn>
+                                        <p:tgtEl>
+                                          <p:spTgt spid="3">
+                                            <p:txEl>
+                                              <p:pRg st="2" end="2"/>
+                                            </p:txEl>
+                                          </p:spTgt>
+                                        </p:tgtEl>
+                                      </p:cBhvr>
+                                    </p:animEffect>
+                                    <p:anim calcmode="lin" valueType="num">
+                                      <p:cBhvr>
+                                        <p:cTn id="44" dur="1822" tmFilter="0,0; 0.14,0.36; 0.43,0.73; 0.71,0.91; 1.0,1.0">
+                                          <p:stCondLst>
+                                            <p:cond delay="0"/>
+                                          </p:stCondLst>
+                                        </p:cTn>
+                                        <p:tgtEl>
+                                          <p:spTgt spid="3">
+                                            <p:txEl>
+                                              <p:pRg st="2" end="2"/>
+                                            </p:txEl>
+                                          </p:spTgt>
+                                        </p:tgtEl>
+                                        <p:attrNameLst>
+                                          <p:attrName>ppt_x</p:attrName>
+                                        </p:attrNameLst>
+                                      </p:cBhvr>
+                                      <p:tavLst>
+                                        <p:tav tm="0">
+                                          <p:val>
+                                            <p:strVal val="#ppt_x-0.25"/>
+                                          </p:val>
+                                        </p:tav>
+                                        <p:tav tm="100000">
+                                          <p:val>
+                                            <p:strVal val="#ppt_x"/>
+                                          </p:val>
+                                        </p:tav>
+                                      </p:tavLst>
+                                    </p:anim>
+                                    <p:anim calcmode="lin" valueType="num">
+                                      <p:cBhvr>
+                                        <p:cTn id="45" dur="664" tmFilter="0.0,0.0; 0.25,0.07; 0.50,0.2; 0.75,0.467; 1.0,1.0">
+                                          <p:stCondLst>
+                                            <p:cond delay="0"/>
+                                          </p:stCondLst>
+                                        </p:cTn>
+                                        <p:tgtEl>
+                                          <p:spTgt spid="3">
+                                            <p:txEl>
+                                              <p:pRg st="2" end="2"/>
+                                            </p:txEl>
+                                          </p:spTgt>
+                                        </p:tgtEl>
+                                        <p:attrNameLst>
+                                          <p:attrName>ppt_y</p:attrName>
+                                        </p:attrNameLst>
+                                      </p:cBhvr>
+                                      <p:tavLst>
+                                        <p:tav tm="0" fmla="#ppt_y-sin(pi*$)/3">
+                                          <p:val>
+                                            <p:fltVal val="0.5"/>
+                                          </p:val>
+                                        </p:tav>
+                                        <p:tav tm="100000">
+                                          <p:val>
+                                            <p:fltVal val="1"/>
+                                          </p:val>
+                                        </p:tav>
+                                      </p:tavLst>
+                                    </p:anim>
+                                    <p:anim calcmode="lin" valueType="num">
+                                      <p:cBhvr>
+                                        <p:cTn id="46" dur="664" tmFilter="0, 0; 0.125,0.2665; 0.25,0.4; 0.375,0.465; 0.5,0.5;  0.625,0.535; 0.75,0.6; 0.875,0.7335; 1,1">
+                                          <p:stCondLst>
+                                            <p:cond delay="664"/>
+                                          </p:stCondLst>
+                                        </p:cTn>
+                                        <p:tgtEl>
+                                          <p:spTgt spid="3">
+                                            <p:txEl>
+                                              <p:pRg st="2" end="2"/>
+                                            </p:txEl>
+                                          </p:spTgt>
+                                        </p:tgtEl>
+                                        <p:attrNameLst>
+                                          <p:attrName>ppt_y</p:attrName>
+                                        </p:attrNameLst>
+                                      </p:cBhvr>
+                                      <p:tavLst>
+                                        <p:tav tm="0" fmla="#ppt_y-sin(pi*$)/9">
+                                          <p:val>
+                                            <p:fltVal val="0"/>
+                                          </p:val>
+                                        </p:tav>
+                                        <p:tav tm="100000">
+                                          <p:val>
+                                            <p:fltVal val="1"/>
+                                          </p:val>
+                                        </p:tav>
+                                      </p:tavLst>
+                                    </p:anim>
+                                    <p:anim calcmode="lin" valueType="num">
+                                      <p:cBhvr>
+                                        <p:cTn id="47" dur="332" tmFilter="0, 0; 0.125,0.2665; 0.25,0.4; 0.375,0.465; 0.5,0.5;  0.625,0.535; 0.75,0.6; 0.875,0.7335; 1,1">
+                                          <p:stCondLst>
+                                            <p:cond delay="1324"/>
+                                          </p:stCondLst>
+                                        </p:cTn>
+                                        <p:tgtEl>
+                                          <p:spTgt spid="3">
+                                            <p:txEl>
+                                              <p:pRg st="2" end="2"/>
+                                            </p:txEl>
+                                          </p:spTgt>
+                                        </p:tgtEl>
+                                        <p:attrNameLst>
+                                          <p:attrName>ppt_y</p:attrName>
+                                        </p:attrNameLst>
+                                      </p:cBhvr>
+                                      <p:tavLst>
+                                        <p:tav tm="0" fmla="#ppt_y-sin(pi*$)/27">
+                                          <p:val>
+                                            <p:fltVal val="0"/>
+                                          </p:val>
+                                        </p:tav>
+                                        <p:tav tm="100000">
+                                          <p:val>
+                                            <p:fltVal val="1"/>
+                                          </p:val>
+                                        </p:tav>
+                                      </p:tavLst>
+                                    </p:anim>
+                                    <p:anim calcmode="lin" valueType="num">
+                                      <p:cBhvr>
+                                        <p:cTn id="48" dur="164" tmFilter="0, 0; 0.125,0.2665; 0.25,0.4; 0.375,0.465; 0.5,0.5;  0.625,0.535; 0.75,0.6; 0.875,0.7335; 1,1">
+                                          <p:stCondLst>
+                                            <p:cond delay="1656"/>
+                                          </p:stCondLst>
+                                        </p:cTn>
+                                        <p:tgtEl>
+                                          <p:spTgt spid="3">
+                                            <p:txEl>
+                                              <p:pRg st="2" end="2"/>
+                                            </p:txEl>
+                                          </p:spTgt>
+                                        </p:tgtEl>
+                                        <p:attrNameLst>
+                                          <p:attrName>ppt_y</p:attrName>
+                                        </p:attrNameLst>
+                                      </p:cBhvr>
+                                      <p:tavLst>
+                                        <p:tav tm="0" fmla="#ppt_y-sin(pi*$)/81">
+                                          <p:val>
+                                            <p:fltVal val="0"/>
+                                          </p:val>
+                                        </p:tav>
+                                        <p:tav tm="100000">
+                                          <p:val>
+                                            <p:fltVal val="1"/>
+                                          </p:val>
+                                        </p:tav>
+                                      </p:tavLst>
+                                    </p:anim>
+                                    <p:animScale>
+                                      <p:cBhvr>
+                                        <p:cTn id="49" dur="26">
+                                          <p:stCondLst>
+                                            <p:cond delay="650"/>
+                                          </p:stCondLst>
+                                        </p:cTn>
+                                        <p:tgtEl>
+                                          <p:spTgt spid="3">
+                                            <p:txEl>
+                                              <p:pRg st="2" end="2"/>
+                                            </p:txEl>
+                                          </p:spTgt>
+                                        </p:tgtEl>
+                                      </p:cBhvr>
+                                      <p:to x="100000" y="60000"/>
+                                    </p:animScale>
+                                    <p:animScale>
+                                      <p:cBhvr>
+                                        <p:cTn id="50" dur="166" decel="50000">
+                                          <p:stCondLst>
+                                            <p:cond delay="676"/>
+                                          </p:stCondLst>
+                                        </p:cTn>
+                                        <p:tgtEl>
+                                          <p:spTgt spid="3">
+                                            <p:txEl>
+                                              <p:pRg st="2" end="2"/>
+                                            </p:txEl>
+                                          </p:spTgt>
+                                        </p:tgtEl>
+                                      </p:cBhvr>
+                                      <p:to x="100000" y="100000"/>
+                                    </p:animScale>
+                                    <p:animScale>
+                                      <p:cBhvr>
+                                        <p:cTn id="51" dur="26">
+                                          <p:stCondLst>
+                                            <p:cond delay="1312"/>
+                                          </p:stCondLst>
+                                        </p:cTn>
+                                        <p:tgtEl>
+                                          <p:spTgt spid="3">
+                                            <p:txEl>
+                                              <p:pRg st="2" end="2"/>
+                                            </p:txEl>
+                                          </p:spTgt>
+                                        </p:tgtEl>
+                                      </p:cBhvr>
+                                      <p:to x="100000" y="80000"/>
+                                    </p:animScale>
+                                    <p:animScale>
+                                      <p:cBhvr>
+                                        <p:cTn id="52" dur="166" decel="50000">
+                                          <p:stCondLst>
+                                            <p:cond delay="1338"/>
+                                          </p:stCondLst>
+                                        </p:cTn>
+                                        <p:tgtEl>
+                                          <p:spTgt spid="3">
+                                            <p:txEl>
+                                              <p:pRg st="2" end="2"/>
+                                            </p:txEl>
+                                          </p:spTgt>
+                                        </p:tgtEl>
+                                      </p:cBhvr>
+                                      <p:to x="100000" y="100000"/>
+                                    </p:animScale>
+                                    <p:animScale>
+                                      <p:cBhvr>
+                                        <p:cTn id="53" dur="26">
+                                          <p:stCondLst>
+                                            <p:cond delay="1642"/>
+                                          </p:stCondLst>
+                                        </p:cTn>
+                                        <p:tgtEl>
+                                          <p:spTgt spid="3">
+                                            <p:txEl>
+                                              <p:pRg st="2" end="2"/>
+                                            </p:txEl>
+                                          </p:spTgt>
+                                        </p:tgtEl>
+                                      </p:cBhvr>
+                                      <p:to x="100000" y="90000"/>
+                                    </p:animScale>
+                                    <p:animScale>
+                                      <p:cBhvr>
+                                        <p:cTn id="54" dur="166" decel="50000">
+                                          <p:stCondLst>
+                                            <p:cond delay="1668"/>
+                                          </p:stCondLst>
+                                        </p:cTn>
+                                        <p:tgtEl>
+                                          <p:spTgt spid="3">
+                                            <p:txEl>
+                                              <p:pRg st="2" end="2"/>
+                                            </p:txEl>
+                                          </p:spTgt>
+                                        </p:tgtEl>
+                                      </p:cBhvr>
+                                      <p:to x="100000" y="100000"/>
+                                    </p:animScale>
+                                    <p:animScale>
+                                      <p:cBhvr>
+                                        <p:cTn id="55" dur="26">
+                                          <p:stCondLst>
+                                            <p:cond delay="1808"/>
+                                          </p:stCondLst>
+                                        </p:cTn>
+                                        <p:tgtEl>
+                                          <p:spTgt spid="3">
+                                            <p:txEl>
+                                              <p:pRg st="2" end="2"/>
+                                            </p:txEl>
+                                          </p:spTgt>
+                                        </p:tgtEl>
+                                      </p:cBhvr>
+                                      <p:to x="100000" y="95000"/>
+                                    </p:animScale>
+                                    <p:animScale>
+                                      <p:cBhvr>
+                                        <p:cTn id="56" dur="166" decel="50000">
+                                          <p:stCondLst>
+                                            <p:cond delay="1834"/>
+                                          </p:stCondLst>
+                                        </p:cTn>
+                                        <p:tgtEl>
+                                          <p:spTgt spid="3">
+                                            <p:txEl>
+                                              <p:pRg st="2" end="2"/>
+                                            </p:txEl>
+                                          </p:spTgt>
+                                        </p:tgtEl>
+                                      </p:cBhvr>
+                                      <p:to x="100000" y="100000"/>
+                                    </p:animScale>
+                                  </p:childTnLst>
+                                </p:cTn>
+                              </p:par>
+                            </p:childTnLst>
+                          </p:cTn>
+                        </p:par>
+                      </p:childTnLst>
+                    </p:cTn>
+                  </p:par>
+                  <p:par>
+                    <p:cTn id="57" fill="hold">
+                      <p:stCondLst>
+                        <p:cond delay="indefinite"/>
+                      </p:stCondLst>
+                      <p:childTnLst>
+                        <p:par>
+                          <p:cTn id="58" fill="hold">
+                            <p:stCondLst>
+                              <p:cond delay="0"/>
+                            </p:stCondLst>
+                            <p:childTnLst>
+                              <p:par>
+                                <p:cTn id="59" presetID="26" presetClass="entr" presetSubtype="0" fill="hold" grpId="0" nodeType="clickEffect">
+                                  <p:stCondLst>
+                                    <p:cond delay="0"/>
+                                  </p:stCondLst>
+                                  <p:childTnLst>
+                                    <p:set>
+                                      <p:cBhvr>
+                                        <p:cTn id="60" dur="1" fill="hold">
+                                          <p:stCondLst>
+                                            <p:cond delay="0"/>
+                                          </p:stCondLst>
+                                        </p:cTn>
+                                        <p:tgtEl>
+                                          <p:spTgt spid="3">
+                                            <p:txEl>
+                                              <p:pRg st="3" end="3"/>
+                                            </p:txEl>
+                                          </p:spTgt>
+                                        </p:tgtEl>
+                                        <p:attrNameLst>
+                                          <p:attrName>style.visibility</p:attrName>
+                                        </p:attrNameLst>
+                                      </p:cBhvr>
+                                      <p:to>
+                                        <p:strVal val="visible"/>
+                                      </p:to>
+                                    </p:set>
+                                    <p:animEffect transition="in" filter="wipe(down)">
+                                      <p:cBhvr>
+                                        <p:cTn id="61" dur="580">
+                                          <p:stCondLst>
+                                            <p:cond delay="0"/>
+                                          </p:stCondLst>
+                                        </p:cTn>
+                                        <p:tgtEl>
+                                          <p:spTgt spid="3">
+                                            <p:txEl>
+                                              <p:pRg st="3" end="3"/>
+                                            </p:txEl>
+                                          </p:spTgt>
+                                        </p:tgtEl>
+                                      </p:cBhvr>
+                                    </p:animEffect>
+                                    <p:anim calcmode="lin" valueType="num">
+                                      <p:cBhvr>
+                                        <p:cTn id="62" dur="1822" tmFilter="0,0; 0.14,0.36; 0.43,0.73; 0.71,0.91; 1.0,1.0">
+                                          <p:stCondLst>
+                                            <p:cond delay="0"/>
+                                          </p:stCondLst>
+                                        </p:cTn>
+                                        <p:tgtEl>
+                                          <p:spTgt spid="3">
+                                            <p:txEl>
+                                              <p:pRg st="3" end="3"/>
+                                            </p:txEl>
+                                          </p:spTgt>
+                                        </p:tgtEl>
+                                        <p:attrNameLst>
+                                          <p:attrName>ppt_x</p:attrName>
+                                        </p:attrNameLst>
+                                      </p:cBhvr>
+                                      <p:tavLst>
+                                        <p:tav tm="0">
+                                          <p:val>
+                                            <p:strVal val="#ppt_x-0.25"/>
+                                          </p:val>
+                                        </p:tav>
+                                        <p:tav tm="100000">
+                                          <p:val>
+                                            <p:strVal val="#ppt_x"/>
+                                          </p:val>
+                                        </p:tav>
+                                      </p:tavLst>
+                                    </p:anim>
+                                    <p:anim calcmode="lin" valueType="num">
+                                      <p:cBhvr>
+                                        <p:cTn id="63" dur="664" tmFilter="0.0,0.0; 0.25,0.07; 0.50,0.2; 0.75,0.467; 1.0,1.0">
+                                          <p:stCondLst>
+                                            <p:cond delay="0"/>
+                                          </p:stCondLst>
+                                        </p:cTn>
+                                        <p:tgtEl>
+                                          <p:spTgt spid="3">
+                                            <p:txEl>
+                                              <p:pRg st="3" end="3"/>
+                                            </p:txEl>
+                                          </p:spTgt>
+                                        </p:tgtEl>
+                                        <p:attrNameLst>
+                                          <p:attrName>ppt_y</p:attrName>
+                                        </p:attrNameLst>
+                                      </p:cBhvr>
+                                      <p:tavLst>
+                                        <p:tav tm="0" fmla="#ppt_y-sin(pi*$)/3">
+                                          <p:val>
+                                            <p:fltVal val="0.5"/>
+                                          </p:val>
+                                        </p:tav>
+                                        <p:tav tm="100000">
+                                          <p:val>
+                                            <p:fltVal val="1"/>
+                                          </p:val>
+                                        </p:tav>
+                                      </p:tavLst>
+                                    </p:anim>
+                                    <p:anim calcmode="lin" valueType="num">
+                                      <p:cBhvr>
+                                        <p:cTn id="64" dur="664" tmFilter="0, 0; 0.125,0.2665; 0.25,0.4; 0.375,0.465; 0.5,0.5;  0.625,0.535; 0.75,0.6; 0.875,0.7335; 1,1">
+                                          <p:stCondLst>
+                                            <p:cond delay="664"/>
+                                          </p:stCondLst>
+                                        </p:cTn>
+                                        <p:tgtEl>
+                                          <p:spTgt spid="3">
+                                            <p:txEl>
+                                              <p:pRg st="3" end="3"/>
+                                            </p:txEl>
+                                          </p:spTgt>
+                                        </p:tgtEl>
+                                        <p:attrNameLst>
+                                          <p:attrName>ppt_y</p:attrName>
+                                        </p:attrNameLst>
+                                      </p:cBhvr>
+                                      <p:tavLst>
+                                        <p:tav tm="0" fmla="#ppt_y-sin(pi*$)/9">
+                                          <p:val>
+                                            <p:fltVal val="0"/>
+                                          </p:val>
+                                        </p:tav>
+                                        <p:tav tm="100000">
+                                          <p:val>
+                                            <p:fltVal val="1"/>
+                                          </p:val>
+                                        </p:tav>
+                                      </p:tavLst>
+                                    </p:anim>
+                                    <p:anim calcmode="lin" valueType="num">
+                                      <p:cBhvr>
+                                        <p:cTn id="65" dur="332" tmFilter="0, 0; 0.125,0.2665; 0.25,0.4; 0.375,0.465; 0.5,0.5;  0.625,0.535; 0.75,0.6; 0.875,0.7335; 1,1">
+                                          <p:stCondLst>
+                                            <p:cond delay="1324"/>
+                                          </p:stCondLst>
+                                        </p:cTn>
+                                        <p:tgtEl>
+                                          <p:spTgt spid="3">
+                                            <p:txEl>
+                                              <p:pRg st="3" end="3"/>
+                                            </p:txEl>
+                                          </p:spTgt>
+                                        </p:tgtEl>
+                                        <p:attrNameLst>
+                                          <p:attrName>ppt_y</p:attrName>
+                                        </p:attrNameLst>
+                                      </p:cBhvr>
+                                      <p:tavLst>
+                                        <p:tav tm="0" fmla="#ppt_y-sin(pi*$)/27">
+                                          <p:val>
+                                            <p:fltVal val="0"/>
+                                          </p:val>
+                                        </p:tav>
+                                        <p:tav tm="100000">
+                                          <p:val>
+                                            <p:fltVal val="1"/>
+                                          </p:val>
+                                        </p:tav>
+                                      </p:tavLst>
+                                    </p:anim>
+                                    <p:anim calcmode="lin" valueType="num">
+                                      <p:cBhvr>
+                                        <p:cTn id="66" dur="164" tmFilter="0, 0; 0.125,0.2665; 0.25,0.4; 0.375,0.465; 0.5,0.5;  0.625,0.535; 0.75,0.6; 0.875,0.7335; 1,1">
+                                          <p:stCondLst>
+                                            <p:cond delay="1656"/>
+                                          </p:stCondLst>
+                                        </p:cTn>
+                                        <p:tgtEl>
+                                          <p:spTgt spid="3">
+                                            <p:txEl>
+                                              <p:pRg st="3" end="3"/>
+                                            </p:txEl>
+                                          </p:spTgt>
+                                        </p:tgtEl>
+                                        <p:attrNameLst>
+                                          <p:attrName>ppt_y</p:attrName>
+                                        </p:attrNameLst>
+                                      </p:cBhvr>
+                                      <p:tavLst>
+                                        <p:tav tm="0" fmla="#ppt_y-sin(pi*$)/81">
+                                          <p:val>
+                                            <p:fltVal val="0"/>
+                                          </p:val>
+                                        </p:tav>
+                                        <p:tav tm="100000">
+                                          <p:val>
+                                            <p:fltVal val="1"/>
+                                          </p:val>
+                                        </p:tav>
+                                      </p:tavLst>
+                                    </p:anim>
+                                    <p:animScale>
+                                      <p:cBhvr>
+                                        <p:cTn id="67" dur="26">
+                                          <p:stCondLst>
+                                            <p:cond delay="650"/>
+                                          </p:stCondLst>
+                                        </p:cTn>
+                                        <p:tgtEl>
+                                          <p:spTgt spid="3">
+                                            <p:txEl>
+                                              <p:pRg st="3" end="3"/>
+                                            </p:txEl>
+                                          </p:spTgt>
+                                        </p:tgtEl>
+                                      </p:cBhvr>
+                                      <p:to x="100000" y="60000"/>
+                                    </p:animScale>
+                                    <p:animScale>
+                                      <p:cBhvr>
+                                        <p:cTn id="68" dur="166" decel="50000">
+                                          <p:stCondLst>
+                                            <p:cond delay="676"/>
+                                          </p:stCondLst>
+                                        </p:cTn>
+                                        <p:tgtEl>
+                                          <p:spTgt spid="3">
+                                            <p:txEl>
+                                              <p:pRg st="3" end="3"/>
+                                            </p:txEl>
+                                          </p:spTgt>
+                                        </p:tgtEl>
+                                      </p:cBhvr>
+                                      <p:to x="100000" y="100000"/>
+                                    </p:animScale>
+                                    <p:animScale>
+                                      <p:cBhvr>
+                                        <p:cTn id="69" dur="26">
+                                          <p:stCondLst>
+                                            <p:cond delay="1312"/>
+                                          </p:stCondLst>
+                                        </p:cTn>
+                                        <p:tgtEl>
+                                          <p:spTgt spid="3">
+                                            <p:txEl>
+                                              <p:pRg st="3" end="3"/>
+                                            </p:txEl>
+                                          </p:spTgt>
+                                        </p:tgtEl>
+                                      </p:cBhvr>
+                                      <p:to x="100000" y="80000"/>
+                                    </p:animScale>
+                                    <p:animScale>
+                                      <p:cBhvr>
+                                        <p:cTn id="70" dur="166" decel="50000">
+                                          <p:stCondLst>
+                                            <p:cond delay="1338"/>
+                                          </p:stCondLst>
+                                        </p:cTn>
+                                        <p:tgtEl>
+                                          <p:spTgt spid="3">
+                                            <p:txEl>
+                                              <p:pRg st="3" end="3"/>
+                                            </p:txEl>
+                                          </p:spTgt>
+                                        </p:tgtEl>
+                                      </p:cBhvr>
+                                      <p:to x="100000" y="100000"/>
+                                    </p:animScale>
+                                    <p:animScale>
+                                      <p:cBhvr>
+                                        <p:cTn id="71" dur="26">
+                                          <p:stCondLst>
+                                            <p:cond delay="1642"/>
+                                          </p:stCondLst>
+                                        </p:cTn>
+                                        <p:tgtEl>
+                                          <p:spTgt spid="3">
+                                            <p:txEl>
+                                              <p:pRg st="3" end="3"/>
+                                            </p:txEl>
+                                          </p:spTgt>
+                                        </p:tgtEl>
+                                      </p:cBhvr>
+                                      <p:to x="100000" y="90000"/>
+                                    </p:animScale>
+                                    <p:animScale>
+                                      <p:cBhvr>
+                                        <p:cTn id="72" dur="166" decel="50000">
+                                          <p:stCondLst>
+                                            <p:cond delay="1668"/>
+                                          </p:stCondLst>
+                                        </p:cTn>
+                                        <p:tgtEl>
+                                          <p:spTgt spid="3">
+                                            <p:txEl>
+                                              <p:pRg st="3" end="3"/>
+                                            </p:txEl>
+                                          </p:spTgt>
+                                        </p:tgtEl>
+                                      </p:cBhvr>
+                                      <p:to x="100000" y="100000"/>
+                                    </p:animScale>
+                                    <p:animScale>
+                                      <p:cBhvr>
+                                        <p:cTn id="73" dur="26">
+                                          <p:stCondLst>
+                                            <p:cond delay="1808"/>
+                                          </p:stCondLst>
+                                        </p:cTn>
+                                        <p:tgtEl>
+                                          <p:spTgt spid="3">
+                                            <p:txEl>
+                                              <p:pRg st="3" end="3"/>
+                                            </p:txEl>
+                                          </p:spTgt>
+                                        </p:tgtEl>
+                                      </p:cBhvr>
+                                      <p:to x="100000" y="95000"/>
+                                    </p:animScale>
+                                    <p:animScale>
+                                      <p:cBhvr>
+                                        <p:cTn id="74" dur="166" decel="50000">
+                                          <p:stCondLst>
+                                            <p:cond delay="1834"/>
+                                          </p:stCondLst>
+                                        </p:cTn>
+                                        <p:tgtEl>
+                                          <p:spTgt spid="3">
+                                            <p:txEl>
+                                              <p:pRg st="3" end="3"/>
+                                            </p:txEl>
+                                          </p:spTgt>
+                                        </p:tgtEl>
+                                      </p:cBhvr>
+                                      <p:to x="100000" y="100000"/>
+                                    </p:animScale>
+                                  </p:childTnLst>
+                                </p:cTn>
+                              </p:par>
+                            </p:childTnLst>
+                          </p:cTn>
+                        </p:par>
+                      </p:childTnLst>
+                    </p:cTn>
+                  </p:par>
+                  <p:par>
+                    <p:cTn id="75" fill="hold">
+                      <p:stCondLst>
+                        <p:cond delay="indefinite"/>
+                      </p:stCondLst>
+                      <p:childTnLst>
+                        <p:par>
+                          <p:cTn id="76" fill="hold">
+                            <p:stCondLst>
+                              <p:cond delay="0"/>
+                            </p:stCondLst>
+                            <p:childTnLst>
+                              <p:par>
+                                <p:cTn id="77" presetID="10" presetClass="entr" presetSubtype="0" fill="hold" grpId="0" nodeType="clickEffect">
+                                  <p:stCondLst>
+                                    <p:cond delay="0"/>
+                                  </p:stCondLst>
+                                  <p:childTnLst>
+                                    <p:set>
+                                      <p:cBhvr>
+                                        <p:cTn id="78" dur="1" fill="hold">
+                                          <p:stCondLst>
+                                            <p:cond delay="0"/>
+                                          </p:stCondLst>
+                                        </p:cTn>
+                                        <p:tgtEl>
+                                          <p:spTgt spid="2"/>
+                                        </p:tgtEl>
+                                        <p:attrNameLst>
+                                          <p:attrName>style.visibility</p:attrName>
+                                        </p:attrNameLst>
+                                      </p:cBhvr>
+                                      <p:to>
+                                        <p:strVal val="visible"/>
+                                      </p:to>
+                                    </p:set>
+                                    <p:animEffect transition="in" filter="fade">
+                                      <p:cBhvr>
+                                        <p:cTn id="79" dur="500"/>
+                                        <p:tgtEl>
+                                          <p:spTgt spid="2"/>
+                                        </p:tgtEl>
+                                      </p:cBhvr>
+                                    </p:animEffect>
+                                  </p:childTnLst>
+                                </p:cTn>
+                              </p:par>
+                            </p:childTnLst>
+                          </p:cTn>
+                        </p:par>
+                      </p:childTnLst>
+                    </p:cTn>
+                  </p:par>
+                </p:childTnLst>
+              </p:cTn>
+              <p:prevCondLst>
+                <p:cond evt="onPrev" delay="0">
+                  <p:tgtEl>
+                    <p:sldTgt/>
+                  </p:tgtEl>
+                </p:cond>
+              </p:prevCondLst>
+              <p:nextCondLst>
+                <p:cond evt="onNext" delay="0">
+                  <p:tgtEl>
+                    <p:sldTgt/>
+                  </p:tgtEl>
+                </p:cond>
+              </p:nextCondLst>
+            </p:seq>
+          </p:childTnLst>
+        </p:cTn>
       </p:par>
     </p:tnLst>
+    <p:bldLst>
+      <p:bldP spid="2" grpId="0"/>
+      <p:bldP spid="3" grpId="0" build="p"/>
+    </p:bldLst>
   </p:timing>
 </p:sld>
 </file>
@@ -7875,7 +9931,7 @@
         </p:blipFill>
         <p:spPr bwMode="auto">
           <a:xfrm>
-            <a:off x="2133601" y="1801091"/>
+            <a:off x="2105892" y="1537855"/>
             <a:ext cx="7980217" cy="3988883"/>
           </a:xfrm>
           <a:prstGeom prst="rect">
@@ -7904,21 +9960,97 @@
     <a:masterClrMapping/>
   </p:clrMapOvr>
   <mc:AlternateContent xmlns:mc="http://schemas.openxmlformats.org/markup-compatibility/2006">
-    <mc:Choice xmlns:p15="http://schemas.microsoft.com/office/powerpoint/2012/main" Requires="p15">
-      <p:transition xmlns:p14="http://schemas.microsoft.com/office/powerpoint/2010/main" spd="slow" p14:dur="2000">
-        <p15:prstTrans prst="drape"/>
+    <mc:Choice xmlns:p14="http://schemas.microsoft.com/office/powerpoint/2010/main" Requires="p14">
+      <p:transition spd="slow" p14:dur="1600">
+        <p:blinds dir="vert"/>
       </p:transition>
     </mc:Choice>
     <mc:Fallback>
       <p:transition spd="slow">
-        <p:fade/>
+        <p:blinds dir="vert"/>
       </p:transition>
     </mc:Fallback>
   </mc:AlternateContent>
   <p:timing>
     <p:tnLst>
       <p:par>
-        <p:cTn id="1" dur="indefinite" restart="never" nodeType="tmRoot"/>
+        <p:cTn id="1" dur="indefinite" restart="never" nodeType="tmRoot">
+          <p:childTnLst>
+            <p:seq concurrent="1" nextAc="seek">
+              <p:cTn id="2" dur="indefinite" nodeType="mainSeq">
+                <p:childTnLst>
+                  <p:par>
+                    <p:cTn id="3" fill="hold">
+                      <p:stCondLst>
+                        <p:cond delay="indefinite"/>
+                      </p:stCondLst>
+                      <p:childTnLst>
+                        <p:par>
+                          <p:cTn id="4" fill="hold">
+                            <p:stCondLst>
+                              <p:cond delay="0"/>
+                            </p:stCondLst>
+                            <p:childTnLst>
+                              <p:par>
+                                <p:cTn id="5" presetID="21" presetClass="entr" presetSubtype="1" fill="hold" nodeType="clickEffect">
+                                  <p:stCondLst>
+                                    <p:cond delay="0"/>
+                                  </p:stCondLst>
+                                  <p:childTnLst>
+                                    <p:set>
+                                      <p:cBhvr>
+                                        <p:cTn id="6" dur="1" fill="hold">
+                                          <p:stCondLst>
+                                            <p:cond delay="0"/>
+                                          </p:stCondLst>
+                                        </p:cTn>
+                                        <p:tgtEl>
+                                          <p:spTgt spid="2050"/>
+                                        </p:tgtEl>
+                                        <p:attrNameLst>
+                                          <p:attrName>style.visibility</p:attrName>
+                                        </p:attrNameLst>
+                                      </p:cBhvr>
+                                      <p:to>
+                                        <p:strVal val="visible"/>
+                                      </p:to>
+                                    </p:set>
+                                    <p:animEffect transition="in" filter="wheel(1)">
+                                      <p:cBhvr>
+                                        <p:cTn id="7" dur="2000"/>
+                                        <p:tgtEl>
+                                          <p:spTgt spid="2050"/>
+                                        </p:tgtEl>
+                                      </p:cBhvr>
+                                    </p:animEffect>
+                                  </p:childTnLst>
+                                </p:cTn>
+                              </p:par>
+                            </p:childTnLst>
+                          </p:cTn>
+                        </p:par>
+                      </p:childTnLst>
+                    </p:cTn>
+                  </p:par>
+                </p:childTnLst>
+              </p:cTn>
+              <p:prevCondLst>
+                <p:cond evt="onPrev" delay="0">
+                  <p:tgtEl>
+                    <p:sldTgt/>
+                  </p:tgtEl>
+                </p:cond>
+              </p:prevCondLst>
+              <p:nextCondLst>
+                <p:cond evt="onNext" delay="0">
+                  <p:tgtEl>
+                    <p:sldTgt/>
+                  </p:tgtEl>
+                </p:cond>
+              </p:nextCondLst>
+            </p:seq>
+          </p:childTnLst>
+        </p:cTn>
       </p:par>
     </p:tnLst>
   </p:timing>
